--- a/src/assets/slides/DMAIC.pptx
+++ b/src/assets/slides/DMAIC.pptx
@@ -232,7 +232,7 @@
             <a:fld id="{EFC10EE1-B198-C942-8235-326C972CBB30}" type="datetimeFigureOut">
               <a:rPr lang="en-US" smtClean="0"/>
               <a:pPr/>
-              <a:t>12/27/21</a:t>
+              <a:t>1/15/22</a:t>
             </a:fld>
             <a:endParaRPr lang="en-US"/>
           </a:p>
@@ -708,7 +708,7 @@
             <a:fld id="{B61BEF0D-F0BB-DE4B-95CE-6DB70DBA9567}" type="datetimeFigureOut">
               <a:rPr lang="en-US" dirty="0"/>
               <a:pPr/>
-              <a:t>12/27/21</a:t>
+              <a:t>1/15/22</a:t>
             </a:fld>
             <a:endParaRPr lang="en-US" dirty="0"/>
           </a:p>
@@ -958,7 +958,7 @@
             <a:fld id="{48A87A34-81AB-432B-8DAE-1953F412C126}" type="datetimeFigureOut">
               <a:rPr lang="en-US" smtClean="0"/>
               <a:pPr/>
-              <a:t>12/27/21</a:t>
+              <a:t>1/15/22</a:t>
             </a:fld>
             <a:endParaRPr lang="en-US"/>
           </a:p>
@@ -1196,7 +1196,7 @@
             <a:fld id="{48A87A34-81AB-432B-8DAE-1953F412C126}" type="datetimeFigureOut">
               <a:rPr lang="en-US" smtClean="0"/>
               <a:pPr/>
-              <a:t>12/27/21</a:t>
+              <a:t>1/15/22</a:t>
             </a:fld>
             <a:endParaRPr lang="en-US"/>
           </a:p>
@@ -1566,7 +1566,7 @@
             <a:fld id="{48A87A34-81AB-432B-8DAE-1953F412C126}" type="datetimeFigureOut">
               <a:rPr lang="en-US" smtClean="0"/>
               <a:pPr/>
-              <a:t>12/27/21</a:t>
+              <a:t>1/15/22</a:t>
             </a:fld>
             <a:endParaRPr lang="en-US"/>
           </a:p>
@@ -1870,7 +1870,7 @@
           <a:p>
             <a:fld id="{48A87A34-81AB-432B-8DAE-1953F412C126}" type="datetimeFigureOut">
               <a:rPr lang="en-US" smtClean="0"/>
-              <a:t>12/27/21</a:t>
+              <a:t>1/15/22</a:t>
             </a:fld>
             <a:endParaRPr lang="en-US"/>
           </a:p>
@@ -2169,7 +2169,7 @@
             <a:fld id="{48A87A34-81AB-432B-8DAE-1953F412C126}" type="datetimeFigureOut">
               <a:rPr lang="en-US" smtClean="0"/>
               <a:pPr/>
-              <a:t>12/27/21</a:t>
+              <a:t>1/15/22</a:t>
             </a:fld>
             <a:endParaRPr lang="en-US"/>
           </a:p>
@@ -2593,7 +2593,7 @@
             <a:fld id="{48A87A34-81AB-432B-8DAE-1953F412C126}" type="datetimeFigureOut">
               <a:rPr lang="en-US" smtClean="0"/>
               <a:pPr/>
-              <a:t>12/27/21</a:t>
+              <a:t>1/15/22</a:t>
             </a:fld>
             <a:endParaRPr lang="en-US"/>
           </a:p>
@@ -2752,7 +2752,7 @@
           <a:p>
             <a:fld id="{48A87A34-81AB-432B-8DAE-1953F412C126}" type="datetimeFigureOut">
               <a:rPr lang="en-US" smtClean="0"/>
-              <a:t>12/27/21</a:t>
+              <a:t>1/15/22</a:t>
             </a:fld>
             <a:endParaRPr lang="en-US"/>
           </a:p>
@@ -2848,7 +2848,7 @@
           <a:p>
             <a:fld id="{48A87A34-81AB-432B-8DAE-1953F412C126}" type="datetimeFigureOut">
               <a:rPr lang="en-US" smtClean="0"/>
-              <a:t>1/2/22</a:t>
+              <a:t>1/15/22</a:t>
             </a:fld>
             <a:endParaRPr lang="en-US"/>
           </a:p>
@@ -3341,7 +3341,7 @@
             <a:fld id="{48A87A34-81AB-432B-8DAE-1953F412C126}" type="datetimeFigureOut">
               <a:rPr lang="en-US" smtClean="0"/>
               <a:pPr/>
-              <a:t>12/27/21</a:t>
+              <a:t>1/15/22</a:t>
             </a:fld>
             <a:endParaRPr lang="en-US"/>
           </a:p>
@@ -3632,7 +3632,7 @@
           <a:p>
             <a:fld id="{48A87A34-81AB-432B-8DAE-1953F412C126}" type="datetimeFigureOut">
               <a:rPr lang="en-US" smtClean="0"/>
-              <a:t>12/27/21</a:t>
+              <a:t>1/15/22</a:t>
             </a:fld>
             <a:endParaRPr lang="en-US"/>
           </a:p>
@@ -3845,7 +3845,7 @@
             <a:fld id="{48A87A34-81AB-432B-8DAE-1953F412C126}" type="datetimeFigureOut">
               <a:rPr lang="en-US" smtClean="0"/>
               <a:pPr/>
-              <a:t>12/27/21</a:t>
+              <a:t>1/15/22</a:t>
             </a:fld>
             <a:endParaRPr lang="en-US"/>
           </a:p>
@@ -5534,7 +5534,7 @@
                 <a:ea typeface="Montserrat" charset="0"/>
                 <a:cs typeface="Montserrat" charset="0"/>
               </a:rPr>
-              <a:t>Components of DMAIC?</a:t>
+              <a:t>Components of DMAIC</a:t>
             </a:r>
             <a:endParaRPr lang="en-US" sz="1800" b="1" i="0" dirty="0">
               <a:latin typeface="Montserrat" charset="0"/>
@@ -13241,6 +13241,21 @@
 </file>
 
 <file path=customXml/item1.xml><?xml version="1.0" encoding="utf-8"?>
+<?mso-contentType ?>
+<FormTemplates xmlns="http://schemas.microsoft.com/sharepoint/v3/contenttype/forms">
+  <Display>DocumentLibraryForm</Display>
+  <Edit>DocumentLibraryForm</Edit>
+  <New>DocumentLibraryForm</New>
+</FormTemplates>
+</file>
+
+<file path=customXml/item2.xml><?xml version="1.0" encoding="utf-8"?>
+<p:properties xmlns:p="http://schemas.microsoft.com/office/2006/metadata/properties" xmlns:xsi="http://www.w3.org/2001/XMLSchema-instance" xmlns:pc="http://schemas.microsoft.com/office/infopath/2007/PartnerControls">
+  <documentManagement/>
+</p:properties>
+</file>
+
+<file path=customXml/item3.xml><?xml version="1.0" encoding="utf-8"?>
 <ct:contentTypeSchema xmlns:ct="http://schemas.microsoft.com/office/2006/metadata/contentType" xmlns:ma="http://schemas.microsoft.com/office/2006/metadata/properties/metaAttributes" ct:_="" ma:_="" ma:contentTypeName="Document" ma:contentTypeID="0x010100FDF6B8084E7D674C8D6AFA69C229537F" ma:contentTypeVersion="6" ma:contentTypeDescription="Create a new document." ma:contentTypeScope="" ma:versionID="b9054b279481363819da69c1253e8a12">
   <xsd:schema xmlns:xsd="http://www.w3.org/2001/XMLSchema" xmlns:xs="http://www.w3.org/2001/XMLSchema" xmlns:p="http://schemas.microsoft.com/office/2006/metadata/properties" xmlns:ns2="3bc03261-063a-4bb5-8c1a-ccbd0d260df6" targetNamespace="http://schemas.microsoft.com/office/2006/metadata/properties" ma:root="true" ma:fieldsID="763a764fd6167591f9bd3ffad9385dc3" ns2:_="">
     <xsd:import namespace="3bc03261-063a-4bb5-8c1a-ccbd0d260df6"/>
@@ -13398,22 +13413,31 @@
 </ct:contentTypeSchema>
 </file>
 
-<file path=customXml/item2.xml><?xml version="1.0" encoding="utf-8"?>
-<?mso-contentType ?>
-<FormTemplates xmlns="http://schemas.microsoft.com/sharepoint/v3/contenttype/forms">
-  <Display>DocumentLibraryForm</Display>
-  <Edit>DocumentLibraryForm</Edit>
-  <New>DocumentLibraryForm</New>
-</FormTemplates>
+<file path=customXml/itemProps1.xml><?xml version="1.0" encoding="utf-8"?>
+<ds:datastoreItem xmlns:ds="http://schemas.openxmlformats.org/officeDocument/2006/customXml" ds:itemID="{5696CFD9-35E6-4A9B-BAA2-B478CF9BD763}">
+  <ds:schemaRefs>
+    <ds:schemaRef ds:uri="http://schemas.microsoft.com/sharepoint/v3/contenttype/forms"/>
+  </ds:schemaRefs>
+</ds:datastoreItem>
 </file>
 
-<file path=customXml/item3.xml><?xml version="1.0" encoding="utf-8"?>
-<p:properties xmlns:p="http://schemas.microsoft.com/office/2006/metadata/properties" xmlns:xsi="http://www.w3.org/2001/XMLSchema-instance" xmlns:pc="http://schemas.microsoft.com/office/infopath/2007/PartnerControls">
-  <documentManagement/>
-</p:properties>
+<file path=customXml/itemProps2.xml><?xml version="1.0" encoding="utf-8"?>
+<ds:datastoreItem xmlns:ds="http://schemas.openxmlformats.org/officeDocument/2006/customXml" ds:itemID="{4C5807A3-ECB2-466D-9480-803A03681430}">
+  <ds:schemaRefs>
+    <ds:schemaRef ds:uri="http://schemas.microsoft.com/office/2006/metadata/properties"/>
+    <ds:schemaRef ds:uri="http://schemas.microsoft.com/office/2006/documentManagement/types"/>
+    <ds:schemaRef ds:uri="http://purl.org/dc/terms/"/>
+    <ds:schemaRef ds:uri="3bc03261-063a-4bb5-8c1a-ccbd0d260df6"/>
+    <ds:schemaRef ds:uri="http://www.w3.org/XML/1998/namespace"/>
+    <ds:schemaRef ds:uri="http://purl.org/dc/dcmitype/"/>
+    <ds:schemaRef ds:uri="http://purl.org/dc/elements/1.1/"/>
+    <ds:schemaRef ds:uri="http://schemas.microsoft.com/office/infopath/2007/PartnerControls"/>
+    <ds:schemaRef ds:uri="http://schemas.openxmlformats.org/package/2006/metadata/core-properties"/>
+  </ds:schemaRefs>
+</ds:datastoreItem>
 </file>
 
-<file path=customXml/itemProps1.xml><?xml version="1.0" encoding="utf-8"?>
+<file path=customXml/itemProps3.xml><?xml version="1.0" encoding="utf-8"?>
 <ds:datastoreItem xmlns:ds="http://schemas.openxmlformats.org/officeDocument/2006/customXml" ds:itemID="{173075D4-87B2-4E00-A7A7-1A17163F2B8C}">
   <ds:schemaRefs>
     <ds:schemaRef ds:uri="http://schemas.microsoft.com/office/2006/metadata/contentType"/>
@@ -13429,28 +13453,4 @@
     <ds:schemaRef ds:uri="http://schemas.microsoft.com/internal/obd"/>
   </ds:schemaRefs>
 </ds:datastoreItem>
-</file>
-
-<file path=customXml/itemProps2.xml><?xml version="1.0" encoding="utf-8"?>
-<ds:datastoreItem xmlns:ds="http://schemas.openxmlformats.org/officeDocument/2006/customXml" ds:itemID="{5696CFD9-35E6-4A9B-BAA2-B478CF9BD763}">
-  <ds:schemaRefs>
-    <ds:schemaRef ds:uri="http://schemas.microsoft.com/sharepoint/v3/contenttype/forms"/>
-  </ds:schemaRefs>
-</ds:datastoreItem>
-</file>
-
-<file path=customXml/itemProps3.xml><?xml version="1.0" encoding="utf-8"?>
-<ds:datastoreItem xmlns:ds="http://schemas.openxmlformats.org/officeDocument/2006/customXml" ds:itemID="{4C5807A3-ECB2-466D-9480-803A03681430}">
-  <ds:schemaRefs>
-    <ds:schemaRef ds:uri="http://schemas.microsoft.com/office/2006/metadata/properties"/>
-    <ds:schemaRef ds:uri="http://schemas.microsoft.com/office/2006/documentManagement/types"/>
-    <ds:schemaRef ds:uri="http://purl.org/dc/terms/"/>
-    <ds:schemaRef ds:uri="3bc03261-063a-4bb5-8c1a-ccbd0d260df6"/>
-    <ds:schemaRef ds:uri="http://www.w3.org/XML/1998/namespace"/>
-    <ds:schemaRef ds:uri="http://purl.org/dc/dcmitype/"/>
-    <ds:schemaRef ds:uri="http://purl.org/dc/elements/1.1/"/>
-    <ds:schemaRef ds:uri="http://schemas.microsoft.com/office/infopath/2007/PartnerControls"/>
-    <ds:schemaRef ds:uri="http://schemas.openxmlformats.org/package/2006/metadata/core-properties"/>
-  </ds:schemaRefs>
-</ds:datastoreItem>
 </file>